--- a/CAJA DE AHORRO PENDIENTES.pptx
+++ b/CAJA DE AHORRO PENDIENTES.pptx
@@ -6,9 +6,7 @@
   </p:sldMasterIdLst>
   <p:sldIdLst>
     <p:sldId id="257" r:id="rId2"/>
-    <p:sldId id="258" r:id="rId3"/>
-    <p:sldId id="260" r:id="rId4"/>
-    <p:sldId id="259" r:id="rId5"/>
+    <p:sldId id="259" r:id="rId3"/>
   </p:sldIdLst>
   <p:sldSz cx="12192000" cy="6858000"/>
   <p:notesSz cx="6858000" cy="9144000"/>
@@ -107,6 +105,11 @@
       </a:defRPr>
     </a:lvl9pPr>
   </p:defaultTextStyle>
+  <p:extLst>
+    <p:ext uri="{EFAFB233-063F-42B5-8137-9DF3F51BA10A}">
+      <p15:sldGuideLst xmlns:p15="http://schemas.microsoft.com/office/powerpoint/2012/main"/>
+    </p:ext>
+  </p:extLst>
 </p:presentation>
 </file>
 
@@ -259,7 +262,7 @@
           <a:p>
             <a:fld id="{4C334A26-3017-44D0-BC5A-242F6789CB22}" type="datetimeFigureOut">
               <a:rPr lang="es-MX" smtClean="0"/>
-              <a:t>20/11/2019</a:t>
+              <a:t>21/11/2019</a:t>
             </a:fld>
             <a:endParaRPr lang="es-MX"/>
           </a:p>
@@ -459,7 +462,7 @@
           <a:p>
             <a:fld id="{4C334A26-3017-44D0-BC5A-242F6789CB22}" type="datetimeFigureOut">
               <a:rPr lang="es-MX" smtClean="0"/>
-              <a:t>20/11/2019</a:t>
+              <a:t>21/11/2019</a:t>
             </a:fld>
             <a:endParaRPr lang="es-MX"/>
           </a:p>
@@ -669,7 +672,7 @@
           <a:p>
             <a:fld id="{4C334A26-3017-44D0-BC5A-242F6789CB22}" type="datetimeFigureOut">
               <a:rPr lang="es-MX" smtClean="0"/>
-              <a:t>20/11/2019</a:t>
+              <a:t>21/11/2019</a:t>
             </a:fld>
             <a:endParaRPr lang="es-MX"/>
           </a:p>
@@ -869,7 +872,7 @@
           <a:p>
             <a:fld id="{4C334A26-3017-44D0-BC5A-242F6789CB22}" type="datetimeFigureOut">
               <a:rPr lang="es-MX" smtClean="0"/>
-              <a:t>20/11/2019</a:t>
+              <a:t>21/11/2019</a:t>
             </a:fld>
             <a:endParaRPr lang="es-MX"/>
           </a:p>
@@ -1145,7 +1148,7 @@
           <a:p>
             <a:fld id="{4C334A26-3017-44D0-BC5A-242F6789CB22}" type="datetimeFigureOut">
               <a:rPr lang="es-MX" smtClean="0"/>
-              <a:t>20/11/2019</a:t>
+              <a:t>21/11/2019</a:t>
             </a:fld>
             <a:endParaRPr lang="es-MX"/>
           </a:p>
@@ -1413,7 +1416,7 @@
           <a:p>
             <a:fld id="{4C334A26-3017-44D0-BC5A-242F6789CB22}" type="datetimeFigureOut">
               <a:rPr lang="es-MX" smtClean="0"/>
-              <a:t>20/11/2019</a:t>
+              <a:t>21/11/2019</a:t>
             </a:fld>
             <a:endParaRPr lang="es-MX"/>
           </a:p>
@@ -1828,7 +1831,7 @@
           <a:p>
             <a:fld id="{4C334A26-3017-44D0-BC5A-242F6789CB22}" type="datetimeFigureOut">
               <a:rPr lang="es-MX" smtClean="0"/>
-              <a:t>20/11/2019</a:t>
+              <a:t>21/11/2019</a:t>
             </a:fld>
             <a:endParaRPr lang="es-MX"/>
           </a:p>
@@ -1970,7 +1973,7 @@
           <a:p>
             <a:fld id="{4C334A26-3017-44D0-BC5A-242F6789CB22}" type="datetimeFigureOut">
               <a:rPr lang="es-MX" smtClean="0"/>
-              <a:t>20/11/2019</a:t>
+              <a:t>21/11/2019</a:t>
             </a:fld>
             <a:endParaRPr lang="es-MX"/>
           </a:p>
@@ -2083,7 +2086,7 @@
           <a:p>
             <a:fld id="{4C334A26-3017-44D0-BC5A-242F6789CB22}" type="datetimeFigureOut">
               <a:rPr lang="es-MX" smtClean="0"/>
-              <a:t>20/11/2019</a:t>
+              <a:t>21/11/2019</a:t>
             </a:fld>
             <a:endParaRPr lang="es-MX"/>
           </a:p>
@@ -2396,7 +2399,7 @@
           <a:p>
             <a:fld id="{4C334A26-3017-44D0-BC5A-242F6789CB22}" type="datetimeFigureOut">
               <a:rPr lang="es-MX" smtClean="0"/>
-              <a:t>20/11/2019</a:t>
+              <a:t>21/11/2019</a:t>
             </a:fld>
             <a:endParaRPr lang="es-MX"/>
           </a:p>
@@ -2685,7 +2688,7 @@
           <a:p>
             <a:fld id="{4C334A26-3017-44D0-BC5A-242F6789CB22}" type="datetimeFigureOut">
               <a:rPr lang="es-MX" smtClean="0"/>
-              <a:t>20/11/2019</a:t>
+              <a:t>21/11/2019</a:t>
             </a:fld>
             <a:endParaRPr lang="es-MX"/>
           </a:p>
@@ -2928,7 +2931,7 @@
           <a:p>
             <a:fld id="{4C334A26-3017-44D0-BC5A-242F6789CB22}" type="datetimeFigureOut">
               <a:rPr lang="es-MX" smtClean="0"/>
-              <a:t>20/11/2019</a:t>
+              <a:t>21/11/2019</a:t>
             </a:fld>
             <a:endParaRPr lang="es-MX"/>
           </a:p>
@@ -3389,126 +3392,6 @@
 </file>
 
 <file path=ppt/slides/slide2.xml><?xml version="1.0" encoding="utf-8"?>
-<p:sld xmlns:a="http://schemas.openxmlformats.org/drawingml/2006/main" xmlns:r="http://schemas.openxmlformats.org/officeDocument/2006/relationships" xmlns:p="http://schemas.openxmlformats.org/presentationml/2006/main">
-  <p:cSld>
-    <p:spTree>
-      <p:nvGrpSpPr>
-        <p:cNvPr id="1" name=""/>
-        <p:cNvGrpSpPr/>
-        <p:nvPr/>
-      </p:nvGrpSpPr>
-      <p:grpSpPr>
-        <a:xfrm>
-          <a:off x="0" y="0"/>
-          <a:ext cx="0" cy="0"/>
-          <a:chOff x="0" y="0"/>
-          <a:chExt cx="0" cy="0"/>
-        </a:xfrm>
-      </p:grpSpPr>
-      <p:pic>
-        <p:nvPicPr>
-          <p:cNvPr id="2" name="Imagen 1">
-            <a:extLst>
-              <a:ext uri="{FF2B5EF4-FFF2-40B4-BE49-F238E27FC236}">
-                <a16:creationId xmlns:a16="http://schemas.microsoft.com/office/drawing/2014/main" id="{931D4E2A-CB8E-4CAA-99CC-D117E978C8A3}"/>
-              </a:ext>
-            </a:extLst>
-          </p:cNvPr>
-          <p:cNvPicPr>
-            <a:picLocks noChangeAspect="1"/>
-          </p:cNvPicPr>
-          <p:nvPr/>
-        </p:nvPicPr>
-        <p:blipFill>
-          <a:blip r:embed="rId2"/>
-          <a:stretch>
-            <a:fillRect/>
-          </a:stretch>
-        </p:blipFill>
-        <p:spPr>
-          <a:xfrm>
-            <a:off x="0" y="978031"/>
-            <a:ext cx="12192000" cy="4901938"/>
-          </a:xfrm>
-          <a:prstGeom prst="rect">
-            <a:avLst/>
-          </a:prstGeom>
-        </p:spPr>
-      </p:pic>
-    </p:spTree>
-    <p:extLst>
-      <p:ext uri="{BB962C8B-B14F-4D97-AF65-F5344CB8AC3E}">
-        <p14:creationId xmlns:p14="http://schemas.microsoft.com/office/powerpoint/2010/main" val="1780706193"/>
-      </p:ext>
-    </p:extLst>
-  </p:cSld>
-  <p:clrMapOvr>
-    <a:masterClrMapping/>
-  </p:clrMapOvr>
-</p:sld>
-</file>
-
-<file path=ppt/slides/slide3.xml><?xml version="1.0" encoding="utf-8"?>
-<p:sld xmlns:a="http://schemas.openxmlformats.org/drawingml/2006/main" xmlns:r="http://schemas.openxmlformats.org/officeDocument/2006/relationships" xmlns:p="http://schemas.openxmlformats.org/presentationml/2006/main">
-  <p:cSld>
-    <p:spTree>
-      <p:nvGrpSpPr>
-        <p:cNvPr id="1" name=""/>
-        <p:cNvGrpSpPr/>
-        <p:nvPr/>
-      </p:nvGrpSpPr>
-      <p:grpSpPr>
-        <a:xfrm>
-          <a:off x="0" y="0"/>
-          <a:ext cx="0" cy="0"/>
-          <a:chOff x="0" y="0"/>
-          <a:chExt cx="0" cy="0"/>
-        </a:xfrm>
-      </p:grpSpPr>
-      <p:pic>
-        <p:nvPicPr>
-          <p:cNvPr id="2" name="Imagen 1">
-            <a:extLst>
-              <a:ext uri="{FF2B5EF4-FFF2-40B4-BE49-F238E27FC236}">
-                <a16:creationId xmlns:a16="http://schemas.microsoft.com/office/drawing/2014/main" id="{63B01341-5F88-47DD-A988-7F1283614FF7}"/>
-              </a:ext>
-            </a:extLst>
-          </p:cNvPr>
-          <p:cNvPicPr>
-            <a:picLocks noChangeAspect="1"/>
-          </p:cNvPicPr>
-          <p:nvPr/>
-        </p:nvPicPr>
-        <p:blipFill>
-          <a:blip r:embed="rId2"/>
-          <a:stretch>
-            <a:fillRect/>
-          </a:stretch>
-        </p:blipFill>
-        <p:spPr>
-          <a:xfrm>
-            <a:off x="0" y="1323109"/>
-            <a:ext cx="12192000" cy="4211782"/>
-          </a:xfrm>
-          <a:prstGeom prst="rect">
-            <a:avLst/>
-          </a:prstGeom>
-        </p:spPr>
-      </p:pic>
-    </p:spTree>
-    <p:extLst>
-      <p:ext uri="{BB962C8B-B14F-4D97-AF65-F5344CB8AC3E}">
-        <p14:creationId xmlns:p14="http://schemas.microsoft.com/office/powerpoint/2010/main" val="2964823560"/>
-      </p:ext>
-    </p:extLst>
-  </p:cSld>
-  <p:clrMapOvr>
-    <a:masterClrMapping/>
-  </p:clrMapOvr>
-</p:sld>
-</file>
-
-<file path=ppt/slides/slide4.xml><?xml version="1.0" encoding="utf-8"?>
 <p:sld xmlns:a="http://schemas.openxmlformats.org/drawingml/2006/main" xmlns:r="http://schemas.openxmlformats.org/officeDocument/2006/relationships" xmlns:p="http://schemas.openxmlformats.org/presentationml/2006/main">
   <p:cSld>
     <p:spTree>
